--- a/statics/background.pptx
+++ b/statics/background.pptx
@@ -104,6 +104,11 @@
       </a:defRPr>
     </a:lvl9pPr>
   </p:defaultTextStyle>
+  <p:extLst>
+    <p:ext uri="{EFAFB233-063F-42B5-8137-9DF3F51BA10A}">
+      <p15:sldGuideLst xmlns:p15="http://schemas.microsoft.com/office/powerpoint/2012/main"/>
+    </p:ext>
+  </p:extLst>
 </p:presentation>
 </file>
 
@@ -254,7 +259,7 @@
           <a:p>
             <a:fld id="{8AA33099-E669-554F-9EDE-A96A27E6D899}" type="datetimeFigureOut">
               <a:rPr lang="en-US" smtClean="0"/>
-              <a:t>3/25/25</a:t>
+              <a:t>9/3/25</a:t>
             </a:fld>
             <a:endParaRPr lang="en-US"/>
           </a:p>
@@ -452,7 +457,7 @@
           <a:p>
             <a:fld id="{8AA33099-E669-554F-9EDE-A96A27E6D899}" type="datetimeFigureOut">
               <a:rPr lang="en-US" smtClean="0"/>
-              <a:t>3/25/25</a:t>
+              <a:t>9/3/25</a:t>
             </a:fld>
             <a:endParaRPr lang="en-US"/>
           </a:p>
@@ -660,7 +665,7 @@
           <a:p>
             <a:fld id="{8AA33099-E669-554F-9EDE-A96A27E6D899}" type="datetimeFigureOut">
               <a:rPr lang="en-US" smtClean="0"/>
-              <a:t>3/25/25</a:t>
+              <a:t>9/3/25</a:t>
             </a:fld>
             <a:endParaRPr lang="en-US"/>
           </a:p>
@@ -858,7 +863,7 @@
           <a:p>
             <a:fld id="{8AA33099-E669-554F-9EDE-A96A27E6D899}" type="datetimeFigureOut">
               <a:rPr lang="en-US" smtClean="0"/>
-              <a:t>3/25/25</a:t>
+              <a:t>9/3/25</a:t>
             </a:fld>
             <a:endParaRPr lang="en-US"/>
           </a:p>
@@ -1133,7 +1138,7 @@
           <a:p>
             <a:fld id="{8AA33099-E669-554F-9EDE-A96A27E6D899}" type="datetimeFigureOut">
               <a:rPr lang="en-US" smtClean="0"/>
-              <a:t>3/25/25</a:t>
+              <a:t>9/3/25</a:t>
             </a:fld>
             <a:endParaRPr lang="en-US"/>
           </a:p>
@@ -1398,7 +1403,7 @@
           <a:p>
             <a:fld id="{8AA33099-E669-554F-9EDE-A96A27E6D899}" type="datetimeFigureOut">
               <a:rPr lang="en-US" smtClean="0"/>
-              <a:t>3/25/25</a:t>
+              <a:t>9/3/25</a:t>
             </a:fld>
             <a:endParaRPr lang="en-US"/>
           </a:p>
@@ -1810,7 +1815,7 @@
           <a:p>
             <a:fld id="{8AA33099-E669-554F-9EDE-A96A27E6D899}" type="datetimeFigureOut">
               <a:rPr lang="en-US" smtClean="0"/>
-              <a:t>3/25/25</a:t>
+              <a:t>9/3/25</a:t>
             </a:fld>
             <a:endParaRPr lang="en-US"/>
           </a:p>
@@ -1951,7 +1956,7 @@
           <a:p>
             <a:fld id="{8AA33099-E669-554F-9EDE-A96A27E6D899}" type="datetimeFigureOut">
               <a:rPr lang="en-US" smtClean="0"/>
-              <a:t>3/25/25</a:t>
+              <a:t>9/3/25</a:t>
             </a:fld>
             <a:endParaRPr lang="en-US"/>
           </a:p>
@@ -2064,7 +2069,7 @@
           <a:p>
             <a:fld id="{8AA33099-E669-554F-9EDE-A96A27E6D899}" type="datetimeFigureOut">
               <a:rPr lang="en-US" smtClean="0"/>
-              <a:t>3/25/25</a:t>
+              <a:t>9/3/25</a:t>
             </a:fld>
             <a:endParaRPr lang="en-US"/>
           </a:p>
@@ -2375,7 +2380,7 @@
           <a:p>
             <a:fld id="{8AA33099-E669-554F-9EDE-A96A27E6D899}" type="datetimeFigureOut">
               <a:rPr lang="en-US" smtClean="0"/>
-              <a:t>3/25/25</a:t>
+              <a:t>9/3/25</a:t>
             </a:fld>
             <a:endParaRPr lang="en-US"/>
           </a:p>
@@ -2663,7 +2668,7 @@
           <a:p>
             <a:fld id="{8AA33099-E669-554F-9EDE-A96A27E6D899}" type="datetimeFigureOut">
               <a:rPr lang="en-US" smtClean="0"/>
-              <a:t>3/25/25</a:t>
+              <a:t>9/3/25</a:t>
             </a:fld>
             <a:endParaRPr lang="en-US"/>
           </a:p>
@@ -2904,7 +2909,7 @@
           <a:p>
             <a:fld id="{8AA33099-E669-554F-9EDE-A96A27E6D899}" type="datetimeFigureOut">
               <a:rPr lang="en-US" smtClean="0"/>
-              <a:t>3/25/25</a:t>
+              <a:t>9/3/25</a:t>
             </a:fld>
             <a:endParaRPr lang="en-US"/>
           </a:p>
@@ -3372,7 +3377,12 @@
             <a:tileRect/>
           </a:gradFill>
           <a:ln>
-            <a:noFill/>
+            <a:solidFill>
+              <a:schemeClr val="tx2">
+                <a:lumMod val="50000"/>
+                <a:lumOff val="50000"/>
+              </a:schemeClr>
+            </a:solidFill>
           </a:ln>
         </p:spPr>
         <p:style>
@@ -3601,8 +3611,8 @@
         </p:nvSpPr>
         <p:spPr>
           <a:xfrm>
-            <a:off x="2796745" y="4798048"/>
-            <a:ext cx="6598507" cy="1511248"/>
+            <a:off x="2796745" y="4634869"/>
+            <a:ext cx="6598507" cy="1975990"/>
           </a:xfrm>
           <a:prstGeom prst="rect">
             <a:avLst/>
@@ -3823,6 +3833,158 @@
               <a:latin typeface="Times New Roman" panose="02020603050405020304" pitchFamily="18" charset="0"/>
               <a:cs typeface="Times New Roman" panose="02020603050405020304" pitchFamily="18" charset="0"/>
             </a:endParaRPr>
+          </a:p>
+          <a:p>
+            <a:pPr algn="ctr">
+              <a:lnSpc>
+                <a:spcPct val="150000"/>
+              </a:lnSpc>
+            </a:pPr>
+            <a:r>
+              <a:rPr lang="en-US" sz="2000" dirty="0" err="1">
+                <a:solidFill>
+                  <a:schemeClr val="tx1">
+                    <a:lumMod val="50000"/>
+                    <a:lumOff val="50000"/>
+                  </a:schemeClr>
+                </a:solidFill>
+                <a:latin typeface="Times New Roman" panose="02020603050405020304" pitchFamily="18" charset="0"/>
+                <a:cs typeface="Times New Roman" panose="02020603050405020304" pitchFamily="18" charset="0"/>
+              </a:rPr>
+              <a:t>或者请检查更新</a:t>
+            </a:r>
+            <a:endParaRPr lang="en-US" sz="2000" dirty="0">
+              <a:solidFill>
+                <a:schemeClr val="tx1">
+                  <a:lumMod val="50000"/>
+                  <a:lumOff val="50000"/>
+                </a:schemeClr>
+              </a:solidFill>
+              <a:latin typeface="Times New Roman" panose="02020603050405020304" pitchFamily="18" charset="0"/>
+              <a:cs typeface="Times New Roman" panose="02020603050405020304" pitchFamily="18" charset="0"/>
+            </a:endParaRPr>
+          </a:p>
+        </p:txBody>
+      </p:sp>
+      <p:sp>
+        <p:nvSpPr>
+          <p:cNvPr id="2" name="Rounded Rectangle 1">
+            <a:extLst>
+              <a:ext uri="{FF2B5EF4-FFF2-40B4-BE49-F238E27FC236}">
+                <a16:creationId xmlns:a16="http://schemas.microsoft.com/office/drawing/2014/main" id="{57D091DD-F84C-3EA7-5427-8943E1AD2876}"/>
+              </a:ext>
+            </a:extLst>
+          </p:cNvPr>
+          <p:cNvSpPr/>
+          <p:nvPr/>
+        </p:nvSpPr>
+        <p:spPr>
+          <a:xfrm>
+            <a:off x="2363495" y="2574918"/>
+            <a:ext cx="1773958" cy="1708163"/>
+          </a:xfrm>
+          <a:prstGeom prst="roundRect">
+            <a:avLst/>
+          </a:prstGeom>
+          <a:solidFill>
+            <a:schemeClr val="accent1">
+              <a:lumMod val="20000"/>
+              <a:lumOff val="80000"/>
+            </a:schemeClr>
+          </a:solidFill>
+          <a:ln>
+            <a:solidFill>
+              <a:schemeClr val="tx2">
+                <a:lumMod val="50000"/>
+                <a:lumOff val="50000"/>
+              </a:schemeClr>
+            </a:solidFill>
+            <a:prstDash val="dash"/>
+          </a:ln>
+        </p:spPr>
+        <p:style>
+          <a:lnRef idx="2">
+            <a:schemeClr val="accent1">
+              <a:shade val="15000"/>
+            </a:schemeClr>
+          </a:lnRef>
+          <a:fillRef idx="1">
+            <a:schemeClr val="accent1"/>
+          </a:fillRef>
+          <a:effectRef idx="0">
+            <a:schemeClr val="accent1"/>
+          </a:effectRef>
+          <a:fontRef idx="minor">
+            <a:schemeClr val="lt1"/>
+          </a:fontRef>
+        </p:style>
+        <p:txBody>
+          <a:bodyPr rtlCol="0" anchor="ctr"/>
+          <a:lstStyle/>
+          <a:p>
+            <a:pPr algn="ctr"/>
+            <a:endParaRPr lang="en-US" dirty="0"/>
+          </a:p>
+        </p:txBody>
+      </p:sp>
+      <p:sp>
+        <p:nvSpPr>
+          <p:cNvPr id="3" name="Rounded Rectangle 2">
+            <a:extLst>
+              <a:ext uri="{FF2B5EF4-FFF2-40B4-BE49-F238E27FC236}">
+                <a16:creationId xmlns:a16="http://schemas.microsoft.com/office/drawing/2014/main" id="{316D48B3-B06A-2490-0C7C-8B3DAAF4F12C}"/>
+              </a:ext>
+            </a:extLst>
+          </p:cNvPr>
+          <p:cNvSpPr/>
+          <p:nvPr/>
+        </p:nvSpPr>
+        <p:spPr>
+          <a:xfrm>
+            <a:off x="8054545" y="2574918"/>
+            <a:ext cx="1773958" cy="1708163"/>
+          </a:xfrm>
+          <a:prstGeom prst="roundRect">
+            <a:avLst/>
+          </a:prstGeom>
+          <a:solidFill>
+            <a:schemeClr val="accent1">
+              <a:lumMod val="20000"/>
+              <a:lumOff val="80000"/>
+            </a:schemeClr>
+          </a:solidFill>
+          <a:ln>
+            <a:solidFill>
+              <a:schemeClr val="tx2">
+                <a:lumMod val="50000"/>
+                <a:lumOff val="50000"/>
+              </a:schemeClr>
+            </a:solidFill>
+            <a:prstDash val="dash"/>
+          </a:ln>
+        </p:spPr>
+        <p:style>
+          <a:lnRef idx="2">
+            <a:schemeClr val="accent1">
+              <a:shade val="15000"/>
+            </a:schemeClr>
+          </a:lnRef>
+          <a:fillRef idx="1">
+            <a:schemeClr val="accent1"/>
+          </a:fillRef>
+          <a:effectRef idx="0">
+            <a:schemeClr val="accent1"/>
+          </a:effectRef>
+          <a:fontRef idx="minor">
+            <a:schemeClr val="lt1"/>
+          </a:fontRef>
+        </p:style>
+        <p:txBody>
+          <a:bodyPr rtlCol="0" anchor="ctr"/>
+          <a:lstStyle/>
+          <a:p>
+            <a:pPr algn="ctr"/>
+            <a:endParaRPr lang="en-US" dirty="0"/>
           </a:p>
         </p:txBody>
       </p:sp>
